--- a/PWC - Digital Intelligence/Task 3 - Quant Finance Modelling/Task_3_Quant_Finance_Modelling.pptx
+++ b/PWC - Digital Intelligence/Task 3 - Quant Finance Modelling/Task_3_Quant_Finance_Modelling.pptx
@@ -6,6 +6,10 @@
   </p:sldMasterIdLst>
   <p:sldIdLst>
     <p:sldId id="256" r:id="rId2"/>
+    <p:sldId id="257" r:id="rId3"/>
+    <p:sldId id="258" r:id="rId4"/>
+    <p:sldId id="259" r:id="rId5"/>
+    <p:sldId id="260" r:id="rId6"/>
   </p:sldIdLst>
   <p:sldSz cx="12192000" cy="6858000"/>
   <p:notesSz cx="6858000" cy="9144000"/>
@@ -104,6 +108,11 @@
       </a:defRPr>
     </a:lvl9pPr>
   </p:defaultTextStyle>
+  <p:extLst>
+    <p:ext uri="{EFAFB233-063F-42B5-8137-9DF3F51BA10A}">
+      <p15:sldGuideLst xmlns:p15="http://schemas.microsoft.com/office/powerpoint/2012/main"/>
+    </p:ext>
+  </p:extLst>
 </p:presentation>
 </file>
 
@@ -3037,13 +3046,13 @@
         </p:nvSpPr>
         <p:spPr>
           <a:xfrm>
-            <a:off x="6322978" y="3526277"/>
-            <a:ext cx="2441643" cy="997085"/>
+            <a:off x="158620" y="3526277"/>
+            <a:ext cx="2789853" cy="997085"/>
           </a:xfrm>
         </p:spPr>
         <p:txBody>
           <a:bodyPr>
-            <a:normAutofit fontScale="92500" lnSpcReduction="10000"/>
+            <a:normAutofit/>
           </a:bodyPr>
           <a:lstStyle/>
           <a:p>
@@ -3051,19 +3060,19 @@
               <a:buNone/>
             </a:pPr>
             <a:r>
-              <a:rPr lang="en-US" sz="1400" dirty="0"/>
+              <a:rPr lang="en-US" sz="1400" b="1" dirty="0"/>
               <a:t>Presenter:</a:t>
             </a:r>
           </a:p>
           <a:p>
             <a:r>
-              <a:rPr lang="en-US" sz="1400" dirty="0"/>
+              <a:rPr lang="en-US" sz="1400" b="1" dirty="0"/>
               <a:t>Akshay Paunikar (Data Scientist)</a:t>
             </a:r>
           </a:p>
           <a:p>
             <a:r>
-              <a:rPr lang="en-US" sz="1400" dirty="0"/>
+              <a:rPr lang="en-US" sz="1400" b="1" dirty="0"/>
               <a:t>Jakob (Senior Data Scientist)</a:t>
             </a:r>
           </a:p>
@@ -3073,6 +3082,708 @@
     <p:extLst>
       <p:ext uri="{BB962C8B-B14F-4D97-AF65-F5344CB8AC3E}">
         <p14:creationId xmlns:p14="http://schemas.microsoft.com/office/powerpoint/2010/main" val="1636933945"/>
+      </p:ext>
+    </p:extLst>
+  </p:cSld>
+  <p:clrMapOvr>
+    <a:masterClrMapping/>
+  </p:clrMapOvr>
+</p:sld>
+</file>
+
+<file path=ppt/slides/slide2.xml><?xml version="1.0" encoding="utf-8"?>
+<p:sld xmlns:a="http://schemas.openxmlformats.org/drawingml/2006/main" xmlns:r="http://schemas.openxmlformats.org/officeDocument/2006/relationships" xmlns:p="http://schemas.openxmlformats.org/presentationml/2006/main">
+  <p:cSld>
+    <p:spTree>
+      <p:nvGrpSpPr>
+        <p:cNvPr id="1" name=""/>
+        <p:cNvGrpSpPr/>
+        <p:nvPr/>
+      </p:nvGrpSpPr>
+      <p:grpSpPr>
+        <a:xfrm>
+          <a:off x="0" y="0"/>
+          <a:ext cx="0" cy="0"/>
+          <a:chOff x="0" y="0"/>
+          <a:chExt cx="0" cy="0"/>
+        </a:xfrm>
+      </p:grpSpPr>
+      <p:sp>
+        <p:nvSpPr>
+          <p:cNvPr id="2" name="Title 1">
+            <a:extLst>
+              <a:ext uri="{FF2B5EF4-FFF2-40B4-BE49-F238E27FC236}">
+                <a16:creationId xmlns:a16="http://schemas.microsoft.com/office/drawing/2014/main" id="{4542425F-C73E-9383-887E-148053B72AE1}"/>
+              </a:ext>
+            </a:extLst>
+          </p:cNvPr>
+          <p:cNvSpPr>
+            <a:spLocks noGrp="1"/>
+          </p:cNvSpPr>
+          <p:nvPr>
+            <p:ph type="title"/>
+          </p:nvPr>
+        </p:nvSpPr>
+        <p:spPr>
+          <a:xfrm>
+            <a:off x="3217069" y="111967"/>
+            <a:ext cx="3932237" cy="530227"/>
+          </a:xfrm>
+        </p:spPr>
+        <p:txBody>
+          <a:bodyPr>
+            <a:normAutofit/>
+          </a:bodyPr>
+          <a:lstStyle/>
+          <a:p>
+            <a:r>
+              <a:rPr lang="en-US" sz="2000" dirty="0">
+                <a:latin typeface="Arial Black" panose="020B0A04020102020204" pitchFamily="34" charset="0"/>
+              </a:rPr>
+              <a:t>Code Used (Python)</a:t>
+            </a:r>
+          </a:p>
+        </p:txBody>
+      </p:sp>
+      <p:sp>
+        <p:nvSpPr>
+          <p:cNvPr id="4" name="Text Placeholder 3">
+            <a:extLst>
+              <a:ext uri="{FF2B5EF4-FFF2-40B4-BE49-F238E27FC236}">
+                <a16:creationId xmlns:a16="http://schemas.microsoft.com/office/drawing/2014/main" id="{42F18F57-7C7E-A21F-1A19-8423287EBA3A}"/>
+              </a:ext>
+            </a:extLst>
+          </p:cNvPr>
+          <p:cNvSpPr>
+            <a:spLocks noGrp="1"/>
+          </p:cNvSpPr>
+          <p:nvPr>
+            <p:ph type="body" sz="half" idx="2"/>
+          </p:nvPr>
+        </p:nvSpPr>
+        <p:spPr>
+          <a:xfrm>
+            <a:off x="839788" y="1138335"/>
+            <a:ext cx="11028751" cy="5374432"/>
+          </a:xfrm>
+        </p:spPr>
+        <p:txBody>
+          <a:bodyPr>
+            <a:normAutofit lnSpcReduction="10000"/>
+          </a:bodyPr>
+          <a:lstStyle/>
+          <a:p>
+            <a:r>
+              <a:rPr lang="en-US" sz="1400" b="1" i="1" dirty="0"/>
+              <a:t>import pandas as pd</a:t>
+            </a:r>
+          </a:p>
+          <a:p>
+            <a:r>
+              <a:rPr lang="en-US" sz="1400" b="1" i="1" dirty="0"/>
+              <a:t>import numpy as np</a:t>
+            </a:r>
+          </a:p>
+          <a:p>
+            <a:r>
+              <a:rPr lang="en-US" sz="1400" dirty="0"/>
+              <a:t>Above lines will import the necessary libraries: “pandas” for data manipulation and “numpy” for numerical operations.</a:t>
+            </a:r>
+          </a:p>
+          <a:p>
+            <a:endParaRPr lang="en-US" sz="1400" dirty="0"/>
+          </a:p>
+          <a:p>
+            <a:r>
+              <a:rPr lang="en-US" sz="1400" b="1" i="1" dirty="0"/>
+              <a:t># Read data from CSV file</a:t>
+            </a:r>
+          </a:p>
+          <a:p>
+            <a:r>
+              <a:rPr lang="en-US" sz="1400" b="1" i="1" dirty="0"/>
+              <a:t>data = pd.read_csv(“Data.csv")</a:t>
+            </a:r>
+          </a:p>
+          <a:p>
+            <a:r>
+              <a:rPr lang="en-US" sz="1400" dirty="0"/>
+              <a:t>This line reads the data from the CSV file into a Pandas DataFrame.</a:t>
+            </a:r>
+          </a:p>
+          <a:p>
+            <a:endParaRPr lang="en-US" sz="1400" dirty="0"/>
+          </a:p>
+          <a:p>
+            <a:r>
+              <a:rPr lang="en-US" sz="1400" b="1" i="1" dirty="0"/>
+              <a:t>n_forecast = 30  # number of forecast periods</a:t>
+            </a:r>
+          </a:p>
+          <a:p>
+            <a:r>
+              <a:rPr lang="en-US" sz="1400" b="1" i="1" dirty="0"/>
+              <a:t>n_vintage = len(data)  # number of vintages</a:t>
+            </a:r>
+          </a:p>
+          <a:p>
+            <a:r>
+              <a:rPr lang="en-US" sz="1400" b="1" i="1" dirty="0"/>
+              <a:t>discount_rate = 0.025  # discount rates (annual)</a:t>
+            </a:r>
+          </a:p>
+          <a:p>
+            <a:r>
+              <a:rPr lang="en-US" sz="1400" dirty="0"/>
+              <a:t>These lines set up some parameters used in the calculations, such as the number of forecast periods “n_forecast”, the number of vintages “n_vintage”, and the discount rate “discount_rate”.</a:t>
+            </a:r>
+          </a:p>
+          <a:p>
+            <a:endParaRPr lang="en-US" sz="1400" b="1" i="1" dirty="0"/>
+          </a:p>
+          <a:p>
+            <a:r>
+              <a:rPr lang="en-US" sz="1400" b="1" i="1" dirty="0"/>
+              <a:t>historical_cf = data.iloc[:, 2:].values</a:t>
+            </a:r>
+          </a:p>
+          <a:p>
+            <a:r>
+              <a:rPr lang="en-US" sz="1400" b="1" i="1" dirty="0"/>
+              <a:t>amount_originated = data.iloc[:, 1].values</a:t>
+            </a:r>
+          </a:p>
+          <a:p>
+            <a:r>
+              <a:rPr lang="en-US" sz="1400" dirty="0"/>
+              <a:t>These lines extract the historical cash flows and the amounts originated from the DataFrame and convert them to NumPy arrays for further calculations.</a:t>
+            </a:r>
+          </a:p>
+          <a:p>
+            <a:endParaRPr lang="en-US" i="1" dirty="0"/>
+          </a:p>
+          <a:p>
+            <a:endParaRPr lang="en-US" dirty="0"/>
+          </a:p>
+        </p:txBody>
+      </p:sp>
+    </p:spTree>
+    <p:extLst>
+      <p:ext uri="{BB962C8B-B14F-4D97-AF65-F5344CB8AC3E}">
+        <p14:creationId xmlns:p14="http://schemas.microsoft.com/office/powerpoint/2010/main" val="1383127841"/>
+      </p:ext>
+    </p:extLst>
+  </p:cSld>
+  <p:clrMapOvr>
+    <a:masterClrMapping/>
+  </p:clrMapOvr>
+</p:sld>
+</file>
+
+<file path=ppt/slides/slide3.xml><?xml version="1.0" encoding="utf-8"?>
+<p:sld xmlns:a="http://schemas.openxmlformats.org/drawingml/2006/main" xmlns:r="http://schemas.openxmlformats.org/officeDocument/2006/relationships" xmlns:p="http://schemas.openxmlformats.org/presentationml/2006/main">
+  <p:cSld>
+    <p:spTree>
+      <p:nvGrpSpPr>
+        <p:cNvPr id="1" name=""/>
+        <p:cNvGrpSpPr/>
+        <p:nvPr/>
+      </p:nvGrpSpPr>
+      <p:grpSpPr>
+        <a:xfrm>
+          <a:off x="0" y="0"/>
+          <a:ext cx="0" cy="0"/>
+          <a:chOff x="0" y="0"/>
+          <a:chExt cx="0" cy="0"/>
+        </a:xfrm>
+      </p:grpSpPr>
+      <p:sp>
+        <p:nvSpPr>
+          <p:cNvPr id="2" name="Title 1">
+            <a:extLst>
+              <a:ext uri="{FF2B5EF4-FFF2-40B4-BE49-F238E27FC236}">
+                <a16:creationId xmlns:a16="http://schemas.microsoft.com/office/drawing/2014/main" id="{4542425F-C73E-9383-887E-148053B72AE1}"/>
+              </a:ext>
+            </a:extLst>
+          </p:cNvPr>
+          <p:cNvSpPr>
+            <a:spLocks noGrp="1"/>
+          </p:cNvSpPr>
+          <p:nvPr>
+            <p:ph type="title"/>
+          </p:nvPr>
+        </p:nvSpPr>
+        <p:spPr>
+          <a:xfrm>
+            <a:off x="3217069" y="111967"/>
+            <a:ext cx="4210098" cy="530227"/>
+          </a:xfrm>
+        </p:spPr>
+        <p:txBody>
+          <a:bodyPr>
+            <a:normAutofit fontScale="90000"/>
+          </a:bodyPr>
+          <a:lstStyle/>
+          <a:p>
+            <a:r>
+              <a:rPr lang="en-US" sz="2000" dirty="0">
+                <a:latin typeface="Arial Black" panose="020B0A04020102020204" pitchFamily="34" charset="0"/>
+              </a:rPr>
+              <a:t>Code Used (Python continued…)</a:t>
+            </a:r>
+          </a:p>
+        </p:txBody>
+      </p:sp>
+      <p:sp>
+        <p:nvSpPr>
+          <p:cNvPr id="4" name="Text Placeholder 3">
+            <a:extLst>
+              <a:ext uri="{FF2B5EF4-FFF2-40B4-BE49-F238E27FC236}">
+                <a16:creationId xmlns:a16="http://schemas.microsoft.com/office/drawing/2014/main" id="{42F18F57-7C7E-A21F-1A19-8423287EBA3A}"/>
+              </a:ext>
+            </a:extLst>
+          </p:cNvPr>
+          <p:cNvSpPr>
+            <a:spLocks noGrp="1"/>
+          </p:cNvSpPr>
+          <p:nvPr>
+            <p:ph type="body" sz="half" idx="2"/>
+          </p:nvPr>
+        </p:nvSpPr>
+        <p:spPr>
+          <a:xfrm>
+            <a:off x="839788" y="1138335"/>
+            <a:ext cx="11028751" cy="5374432"/>
+          </a:xfrm>
+        </p:spPr>
+        <p:txBody>
+          <a:bodyPr>
+            <a:normAutofit/>
+          </a:bodyPr>
+          <a:lstStyle/>
+          <a:p>
+            <a:r>
+              <a:rPr lang="en-US" sz="1400" b="1" i="1" dirty="0"/>
+              <a:t>periods_remaining = n_forecast - np.arange(n_vintage, 0, -1)</a:t>
+            </a:r>
+          </a:p>
+          <a:p>
+            <a:r>
+              <a:rPr lang="en-US" sz="1400" b="0" i="0" dirty="0">
+                <a:effectLst/>
+              </a:rPr>
+              <a:t>This line calculates the number of periods to be forecasted per vintage.</a:t>
+            </a:r>
+          </a:p>
+          <a:p>
+            <a:endParaRPr lang="en-US" sz="1400" dirty="0"/>
+          </a:p>
+          <a:p>
+            <a:r>
+              <a:rPr lang="en-US" sz="1400" b="1" i="1" dirty="0"/>
+              <a:t>paid_percentages = historical_cf / amount_originated[:, np.newaxis]</a:t>
+            </a:r>
+          </a:p>
+          <a:p>
+            <a:r>
+              <a:rPr lang="en-US" sz="1400" b="1" i="1" dirty="0"/>
+              <a:t>first_period = np.diag(paid_percentages)</a:t>
+            </a:r>
+          </a:p>
+          <a:p>
+            <a:r>
+              <a:rPr lang="en-US" sz="1400" b="1" i="1" dirty="0"/>
+              <a:t>second_period = np.concatenate([</a:t>
+            </a:r>
+          </a:p>
+          <a:p>
+            <a:r>
+              <a:rPr lang="en-US" sz="1400" b="1" i="1" dirty="0"/>
+              <a:t>    np.diag(paid_percentages[:-1, 1:]),</a:t>
+            </a:r>
+          </a:p>
+          <a:p>
+            <a:r>
+              <a:rPr lang="en-US" sz="1400" b="1" i="1" dirty="0"/>
+              <a:t>    np.array([paid_percentages[-1, -1] * 2])</a:t>
+            </a:r>
+          </a:p>
+          <a:p>
+            <a:r>
+              <a:rPr lang="en-US" sz="1400" b="1" i="1" dirty="0"/>
+              <a:t>])</a:t>
+            </a:r>
+          </a:p>
+          <a:p>
+            <a:r>
+              <a:rPr lang="en-US" sz="1400" dirty="0"/>
+              <a:t>These lines calculate the repayment percentages for the first and second periods.</a:t>
+            </a:r>
+          </a:p>
+          <a:p>
+            <a:endParaRPr lang="en-US" sz="1400" dirty="0"/>
+          </a:p>
+          <a:p>
+            <a:r>
+              <a:rPr lang="en-US" sz="1400" b="1" i="1" dirty="0"/>
+              <a:t>p = np.zeros((n_vintage, n_forecast))</a:t>
+            </a:r>
+          </a:p>
+          <a:p>
+            <a:r>
+              <a:rPr lang="en-US" sz="1400" b="1" i="1" dirty="0"/>
+              <a:t>p[:, 0] = first_period</a:t>
+            </a:r>
+          </a:p>
+          <a:p>
+            <a:r>
+              <a:rPr lang="en-US" sz="1400" b="1" i="1" dirty="0"/>
+              <a:t>p[:, 1] = second_period</a:t>
+            </a:r>
+          </a:p>
+          <a:p>
+            <a:r>
+              <a:rPr lang="en-US" sz="1400" dirty="0"/>
+              <a:t>These lines initialize a matrix “p” with zeros and assign the repayment percentages for the first and second periods.</a:t>
+            </a:r>
+          </a:p>
+        </p:txBody>
+      </p:sp>
+    </p:spTree>
+    <p:extLst>
+      <p:ext uri="{BB962C8B-B14F-4D97-AF65-F5344CB8AC3E}">
+        <p14:creationId xmlns:p14="http://schemas.microsoft.com/office/powerpoint/2010/main" val="2212555173"/>
+      </p:ext>
+    </p:extLst>
+  </p:cSld>
+  <p:clrMapOvr>
+    <a:masterClrMapping/>
+  </p:clrMapOvr>
+</p:sld>
+</file>
+
+<file path=ppt/slides/slide4.xml><?xml version="1.0" encoding="utf-8"?>
+<p:sld xmlns:a="http://schemas.openxmlformats.org/drawingml/2006/main" xmlns:r="http://schemas.openxmlformats.org/officeDocument/2006/relationships" xmlns:p="http://schemas.openxmlformats.org/presentationml/2006/main">
+  <p:cSld>
+    <p:spTree>
+      <p:nvGrpSpPr>
+        <p:cNvPr id="1" name=""/>
+        <p:cNvGrpSpPr/>
+        <p:nvPr/>
+      </p:nvGrpSpPr>
+      <p:grpSpPr>
+        <a:xfrm>
+          <a:off x="0" y="0"/>
+          <a:ext cx="0" cy="0"/>
+          <a:chOff x="0" y="0"/>
+          <a:chExt cx="0" cy="0"/>
+        </a:xfrm>
+      </p:grpSpPr>
+      <p:sp>
+        <p:nvSpPr>
+          <p:cNvPr id="2" name="Title 1">
+            <a:extLst>
+              <a:ext uri="{FF2B5EF4-FFF2-40B4-BE49-F238E27FC236}">
+                <a16:creationId xmlns:a16="http://schemas.microsoft.com/office/drawing/2014/main" id="{4542425F-C73E-9383-887E-148053B72AE1}"/>
+              </a:ext>
+            </a:extLst>
+          </p:cNvPr>
+          <p:cNvSpPr>
+            <a:spLocks noGrp="1"/>
+          </p:cNvSpPr>
+          <p:nvPr>
+            <p:ph type="title"/>
+          </p:nvPr>
+        </p:nvSpPr>
+        <p:spPr>
+          <a:xfrm>
+            <a:off x="3217069" y="111967"/>
+            <a:ext cx="4210098" cy="530227"/>
+          </a:xfrm>
+        </p:spPr>
+        <p:txBody>
+          <a:bodyPr>
+            <a:normAutofit fontScale="90000"/>
+          </a:bodyPr>
+          <a:lstStyle/>
+          <a:p>
+            <a:r>
+              <a:rPr lang="en-US" sz="2000" dirty="0">
+                <a:latin typeface="Arial Black" panose="020B0A04020102020204" pitchFamily="34" charset="0"/>
+              </a:rPr>
+              <a:t>Code Used (Python continued…)</a:t>
+            </a:r>
+          </a:p>
+        </p:txBody>
+      </p:sp>
+      <p:sp>
+        <p:nvSpPr>
+          <p:cNvPr id="4" name="Text Placeholder 3">
+            <a:extLst>
+              <a:ext uri="{FF2B5EF4-FFF2-40B4-BE49-F238E27FC236}">
+                <a16:creationId xmlns:a16="http://schemas.microsoft.com/office/drawing/2014/main" id="{42F18F57-7C7E-A21F-1A19-8423287EBA3A}"/>
+              </a:ext>
+            </a:extLst>
+          </p:cNvPr>
+          <p:cNvSpPr>
+            <a:spLocks noGrp="1"/>
+          </p:cNvSpPr>
+          <p:nvPr>
+            <p:ph type="body" sz="half" idx="2"/>
+          </p:nvPr>
+        </p:nvSpPr>
+        <p:spPr>
+          <a:xfrm>
+            <a:off x="839788" y="1138335"/>
+            <a:ext cx="11028751" cy="5374432"/>
+          </a:xfrm>
+        </p:spPr>
+        <p:txBody>
+          <a:bodyPr>
+            <a:normAutofit/>
+          </a:bodyPr>
+          <a:lstStyle/>
+          <a:p>
+            <a:r>
+              <a:rPr lang="en-US" sz="1400" b="1" i="1" dirty="0"/>
+              <a:t>for i in range(n_vintage):</a:t>
+            </a:r>
+          </a:p>
+          <a:p>
+            <a:r>
+              <a:rPr lang="en-US" sz="1400" b="1" i="1" dirty="0"/>
+              <a:t>    for j in range(2, n_forecast):</a:t>
+            </a:r>
+          </a:p>
+          <a:p>
+            <a:r>
+              <a:rPr lang="en-US" sz="1400" b="1" i="1" dirty="0"/>
+              <a:t>        p[i, j] = max(0, p[i, 1] * np.log(1 + (1 - np.sum(p[i, 1:j]))) * (1 - (j - 1) / n_forecast))</a:t>
+            </a:r>
+          </a:p>
+          <a:p>
+            <a:r>
+              <a:rPr lang="en-US" sz="1400" b="0" i="0" dirty="0">
+                <a:effectLst/>
+              </a:rPr>
+              <a:t>This nested loop calculates the expected repayment percentages according to the specified formula.</a:t>
+            </a:r>
+          </a:p>
+          <a:p>
+            <a:endParaRPr lang="en-US" sz="1400" dirty="0"/>
+          </a:p>
+          <a:p>
+            <a:r>
+              <a:rPr lang="en-US" sz="1400" b="1" i="1" dirty="0"/>
+              <a:t>p_forecast = np.zeros((n_vintage, n_forecast - 1))</a:t>
+            </a:r>
+          </a:p>
+          <a:p>
+            <a:endParaRPr lang="en-US" sz="1400" b="1" i="1" dirty="0"/>
+          </a:p>
+          <a:p>
+            <a:r>
+              <a:rPr lang="en-US" sz="1400" b="1" i="1" dirty="0"/>
+              <a:t>for i in range(n_vintage):</a:t>
+            </a:r>
+          </a:p>
+          <a:p>
+            <a:r>
+              <a:rPr lang="en-US" sz="1400" b="1" i="1" dirty="0"/>
+              <a:t>    for j in range(periods_remaining[i]):</a:t>
+            </a:r>
+          </a:p>
+          <a:p>
+            <a:r>
+              <a:rPr lang="en-US" sz="1400" b="1" i="1" dirty="0"/>
+              <a:t>        p_forecast[i, j] = p[i, n_forecast - periods_remaining[i] + j]</a:t>
+            </a:r>
+          </a:p>
+          <a:p>
+            <a:r>
+              <a:rPr lang="en-US" sz="1400" dirty="0"/>
+              <a:t>These loop fills the “p_forecast” matrix with the expected repayment percentages for the forecasted periods.</a:t>
+            </a:r>
+          </a:p>
+          <a:p>
+            <a:endParaRPr lang="en-US" sz="1400" dirty="0"/>
+          </a:p>
+          <a:p>
+            <a:r>
+              <a:rPr lang="en-US" sz="1400" b="1" i="1" dirty="0"/>
+              <a:t>discount_factors = 1 / (1 + discount_rate) ** (np.arange(1, n_forecast) / 12)</a:t>
+            </a:r>
+          </a:p>
+          <a:p>
+            <a:r>
+              <a:rPr lang="en-US" sz="1400" b="1" i="1" dirty="0"/>
+              <a:t>pv = p_forecast * discount_factors * amount_originated[:, np.newaxis]</a:t>
+            </a:r>
+          </a:p>
+          <a:p>
+            <a:r>
+              <a:rPr lang="en-US" sz="1400" b="1" i="1" dirty="0"/>
+              <a:t>result = np.sum(pv)</a:t>
+            </a:r>
+          </a:p>
+          <a:p>
+            <a:r>
+              <a:rPr lang="en-US" sz="1400" dirty="0"/>
+              <a:t>These lines calculate the present value of forecasted cash flows and sum them up to obtain the value of the portfolio.</a:t>
+            </a:r>
+          </a:p>
+          <a:p>
+            <a:endParaRPr lang="en-US" sz="1400" b="1" i="1" dirty="0"/>
+          </a:p>
+        </p:txBody>
+      </p:sp>
+    </p:spTree>
+    <p:extLst>
+      <p:ext uri="{BB962C8B-B14F-4D97-AF65-F5344CB8AC3E}">
+        <p14:creationId xmlns:p14="http://schemas.microsoft.com/office/powerpoint/2010/main" val="3499249022"/>
+      </p:ext>
+    </p:extLst>
+  </p:cSld>
+  <p:clrMapOvr>
+    <a:masterClrMapping/>
+  </p:clrMapOvr>
+</p:sld>
+</file>
+
+<file path=ppt/slides/slide5.xml><?xml version="1.0" encoding="utf-8"?>
+<p:sld xmlns:a="http://schemas.openxmlformats.org/drawingml/2006/main" xmlns:r="http://schemas.openxmlformats.org/officeDocument/2006/relationships" xmlns:p="http://schemas.openxmlformats.org/presentationml/2006/main">
+  <p:cSld>
+    <p:spTree>
+      <p:nvGrpSpPr>
+        <p:cNvPr id="1" name=""/>
+        <p:cNvGrpSpPr/>
+        <p:nvPr/>
+      </p:nvGrpSpPr>
+      <p:grpSpPr>
+        <a:xfrm>
+          <a:off x="0" y="0"/>
+          <a:ext cx="0" cy="0"/>
+          <a:chOff x="0" y="0"/>
+          <a:chExt cx="0" cy="0"/>
+        </a:xfrm>
+      </p:grpSpPr>
+      <p:sp>
+        <p:nvSpPr>
+          <p:cNvPr id="2" name="Title 1">
+            <a:extLst>
+              <a:ext uri="{FF2B5EF4-FFF2-40B4-BE49-F238E27FC236}">
+                <a16:creationId xmlns:a16="http://schemas.microsoft.com/office/drawing/2014/main" id="{4542425F-C73E-9383-887E-148053B72AE1}"/>
+              </a:ext>
+            </a:extLst>
+          </p:cNvPr>
+          <p:cNvSpPr>
+            <a:spLocks noGrp="1"/>
+          </p:cNvSpPr>
+          <p:nvPr>
+            <p:ph type="title"/>
+          </p:nvPr>
+        </p:nvSpPr>
+        <p:spPr>
+          <a:xfrm>
+            <a:off x="3217069" y="111967"/>
+            <a:ext cx="4210098" cy="530227"/>
+          </a:xfrm>
+        </p:spPr>
+        <p:txBody>
+          <a:bodyPr>
+            <a:normAutofit fontScale="90000"/>
+          </a:bodyPr>
+          <a:lstStyle/>
+          <a:p>
+            <a:r>
+              <a:rPr lang="en-US" sz="2000" dirty="0">
+                <a:latin typeface="Arial Black" panose="020B0A04020102020204" pitchFamily="34" charset="0"/>
+              </a:rPr>
+              <a:t>Code Used (Python continued…)</a:t>
+            </a:r>
+          </a:p>
+        </p:txBody>
+      </p:sp>
+      <p:sp>
+        <p:nvSpPr>
+          <p:cNvPr id="4" name="Text Placeholder 3">
+            <a:extLst>
+              <a:ext uri="{FF2B5EF4-FFF2-40B4-BE49-F238E27FC236}">
+                <a16:creationId xmlns:a16="http://schemas.microsoft.com/office/drawing/2014/main" id="{42F18F57-7C7E-A21F-1A19-8423287EBA3A}"/>
+              </a:ext>
+            </a:extLst>
+          </p:cNvPr>
+          <p:cNvSpPr>
+            <a:spLocks noGrp="1"/>
+          </p:cNvSpPr>
+          <p:nvPr>
+            <p:ph type="body" sz="half" idx="2"/>
+          </p:nvPr>
+        </p:nvSpPr>
+        <p:spPr>
+          <a:xfrm>
+            <a:off x="839788" y="1138335"/>
+            <a:ext cx="11028751" cy="5374432"/>
+          </a:xfrm>
+        </p:spPr>
+        <p:txBody>
+          <a:bodyPr>
+            <a:normAutofit/>
+          </a:bodyPr>
+          <a:lstStyle/>
+          <a:p>
+            <a:r>
+              <a:rPr lang="en-US" sz="1400" b="1" i="1" dirty="0"/>
+              <a:t>print(f"The fair value estimate for the portfolio is {round(result, 2)} Swiss Francs")</a:t>
+            </a:r>
+          </a:p>
+          <a:p>
+            <a:r>
+              <a:rPr lang="en-US" sz="1400" b="0" i="0" dirty="0">
+                <a:effectLst/>
+              </a:rPr>
+              <a:t>Finally, this line prints the result in a formatted string. The result represents the fair value estimate for the portfolio.</a:t>
+            </a:r>
+          </a:p>
+          <a:p>
+            <a:endParaRPr lang="en-US" sz="1400" dirty="0"/>
+          </a:p>
+          <a:p>
+            <a:r>
+              <a:rPr lang="en-US" sz="1400" b="1" dirty="0"/>
+              <a:t>Our output as per python code is:</a:t>
+            </a:r>
+          </a:p>
+          <a:p>
+            <a:r>
+              <a:rPr lang="en-US" b="1" i="1" dirty="0"/>
+              <a:t>The fair value estimate for the portfolio is 104698438.32 Swiss Francs.</a:t>
+            </a:r>
+          </a:p>
+          <a:p>
+            <a:r>
+              <a:rPr lang="en-US" b="1" i="1" dirty="0"/>
+              <a:t>The clients expected estimate of the portfolio value was CHF 84993122.67.</a:t>
+            </a:r>
+          </a:p>
+          <a:p>
+            <a:r>
+              <a:rPr lang="en-US" b="1" i="1" dirty="0"/>
+              <a:t>The difference between the estimate of clients expected estimate of the portfolio and ours is 99705315.65 Swiss Francs</a:t>
+            </a:r>
+          </a:p>
+          <a:p>
+            <a:r>
+              <a:rPr lang="en-US" b="1" i="1" dirty="0"/>
+              <a:t>The difference is beyond the acceptable limits.</a:t>
+            </a:r>
+          </a:p>
+        </p:txBody>
+      </p:sp>
+    </p:spTree>
+    <p:extLst>
+      <p:ext uri="{BB962C8B-B14F-4D97-AF65-F5344CB8AC3E}">
+        <p14:creationId xmlns:p14="http://schemas.microsoft.com/office/powerpoint/2010/main" val="3701715778"/>
       </p:ext>
     </p:extLst>
   </p:cSld>

--- a/PWC - Digital Intelligence/Task 3 - Quant Finance Modelling/Task_3_Quant_Finance_Modelling.pptx
+++ b/PWC - Digital Intelligence/Task 3 - Quant Finance Modelling/Task_3_Quant_Finance_Modelling.pptx
@@ -247,7 +247,7 @@
           <a:p>
             <a:fld id="{CB204D52-E620-4299-B699-955170BE60C4}" type="datetimeFigureOut">
               <a:rPr lang="en-US" smtClean="0"/>
-              <a:t>12/12/2023</a:t>
+              <a:t>12/13/2023</a:t>
             </a:fld>
             <a:endParaRPr lang="en-US"/>
           </a:p>
@@ -417,7 +417,7 @@
           <a:p>
             <a:fld id="{CB204D52-E620-4299-B699-955170BE60C4}" type="datetimeFigureOut">
               <a:rPr lang="en-US" smtClean="0"/>
-              <a:t>12/12/2023</a:t>
+              <a:t>12/13/2023</a:t>
             </a:fld>
             <a:endParaRPr lang="en-US"/>
           </a:p>
@@ -597,7 +597,7 @@
           <a:p>
             <a:fld id="{CB204D52-E620-4299-B699-955170BE60C4}" type="datetimeFigureOut">
               <a:rPr lang="en-US" smtClean="0"/>
-              <a:t>12/12/2023</a:t>
+              <a:t>12/13/2023</a:t>
             </a:fld>
             <a:endParaRPr lang="en-US"/>
           </a:p>
@@ -767,7 +767,7 @@
           <a:p>
             <a:fld id="{CB204D52-E620-4299-B699-955170BE60C4}" type="datetimeFigureOut">
               <a:rPr lang="en-US" smtClean="0"/>
-              <a:t>12/12/2023</a:t>
+              <a:t>12/13/2023</a:t>
             </a:fld>
             <a:endParaRPr lang="en-US"/>
           </a:p>
@@ -1011,7 +1011,7 @@
           <a:p>
             <a:fld id="{CB204D52-E620-4299-B699-955170BE60C4}" type="datetimeFigureOut">
               <a:rPr lang="en-US" smtClean="0"/>
-              <a:t>12/12/2023</a:t>
+              <a:t>12/13/2023</a:t>
             </a:fld>
             <a:endParaRPr lang="en-US"/>
           </a:p>
@@ -1243,7 +1243,7 @@
           <a:p>
             <a:fld id="{CB204D52-E620-4299-B699-955170BE60C4}" type="datetimeFigureOut">
               <a:rPr lang="en-US" smtClean="0"/>
-              <a:t>12/12/2023</a:t>
+              <a:t>12/13/2023</a:t>
             </a:fld>
             <a:endParaRPr lang="en-US"/>
           </a:p>
@@ -1610,7 +1610,7 @@
           <a:p>
             <a:fld id="{CB204D52-E620-4299-B699-955170BE60C4}" type="datetimeFigureOut">
               <a:rPr lang="en-US" smtClean="0"/>
-              <a:t>12/12/2023</a:t>
+              <a:t>12/13/2023</a:t>
             </a:fld>
             <a:endParaRPr lang="en-US"/>
           </a:p>
@@ -1728,7 +1728,7 @@
           <a:p>
             <a:fld id="{CB204D52-E620-4299-B699-955170BE60C4}" type="datetimeFigureOut">
               <a:rPr lang="en-US" smtClean="0"/>
-              <a:t>12/12/2023</a:t>
+              <a:t>12/13/2023</a:t>
             </a:fld>
             <a:endParaRPr lang="en-US"/>
           </a:p>
@@ -1823,7 +1823,7 @@
           <a:p>
             <a:fld id="{CB204D52-E620-4299-B699-955170BE60C4}" type="datetimeFigureOut">
               <a:rPr lang="en-US" smtClean="0"/>
-              <a:t>12/12/2023</a:t>
+              <a:t>12/13/2023</a:t>
             </a:fld>
             <a:endParaRPr lang="en-US"/>
           </a:p>
@@ -2100,7 +2100,7 @@
           <a:p>
             <a:fld id="{CB204D52-E620-4299-B699-955170BE60C4}" type="datetimeFigureOut">
               <a:rPr lang="en-US" smtClean="0"/>
-              <a:t>12/12/2023</a:t>
+              <a:t>12/13/2023</a:t>
             </a:fld>
             <a:endParaRPr lang="en-US"/>
           </a:p>
@@ -2357,7 +2357,7 @@
           <a:p>
             <a:fld id="{CB204D52-E620-4299-B699-955170BE60C4}" type="datetimeFigureOut">
               <a:rPr lang="en-US" smtClean="0"/>
-              <a:t>12/12/2023</a:t>
+              <a:t>12/13/2023</a:t>
             </a:fld>
             <a:endParaRPr lang="en-US"/>
           </a:p>
@@ -2570,7 +2570,7 @@
           <a:p>
             <a:fld id="{CB204D52-E620-4299-B699-955170BE60C4}" type="datetimeFigureOut">
               <a:rPr lang="en-US" smtClean="0"/>
-              <a:t>12/12/2023</a:t>
+              <a:t>12/13/2023</a:t>
             </a:fld>
             <a:endParaRPr lang="en-US"/>
           </a:p>
@@ -3778,6 +3778,28 @@
               <a:t>The difference is beyond the acceptable limits.</a:t>
             </a:r>
           </a:p>
+          <a:p>
+            <a:endParaRPr lang="en-US" b="1" i="1" dirty="0"/>
+          </a:p>
+          <a:p>
+            <a:r>
+              <a:rPr lang="en-US" b="1" i="1" dirty="0"/>
+              <a:t>Considering </a:t>
+            </a:r>
+            <a:r>
+              <a:rPr lang="en-US" b="1" i="1"/>
+              <a:t>above observations </a:t>
+            </a:r>
+            <a:r>
+              <a:rPr lang="en-US" b="1" i="1" dirty="0"/>
+              <a:t>we will work on it to see if we can come close to the value that client </a:t>
+            </a:r>
+            <a:r>
+              <a:rPr lang="en-US" b="1" i="1"/>
+              <a:t>is expecting.</a:t>
+            </a:r>
+            <a:endParaRPr lang="en-US" b="1" i="1" dirty="0"/>
+          </a:p>
         </p:txBody>
       </p:sp>
     </p:spTree>
